--- a/project/Final Presentation 112916.pptx
+++ b/project/Final Presentation 112916.pptx
@@ -215,7 +215,7 @@
           <a:p>
             <a:fld id="{58CF373E-48EE-4419-81F1-F7592575718D}" type="datetimeFigureOut">
               <a:rPr lang="en-US" smtClean="0"/>
-              <a:t>11/30/2016</a:t>
+              <a:t>12/1/2016</a:t>
             </a:fld>
             <a:endParaRPr lang="en-US"/>
           </a:p>
@@ -1285,7 +1285,7 @@
           <a:p>
             <a:fld id="{A0A75E8F-C24B-447D-96A1-31C42002591F}" type="datetime1">
               <a:rPr lang="en-US" smtClean="0"/>
-              <a:t>11/30/2016</a:t>
+              <a:t>12/1/2016</a:t>
             </a:fld>
             <a:endParaRPr lang="en-US"/>
           </a:p>
@@ -1462,7 +1462,7 @@
           <a:p>
             <a:fld id="{D04C51A1-517C-4859-8F2A-B2F9097A8FEF}" type="datetime1">
               <a:rPr lang="en-US" smtClean="0"/>
-              <a:t>11/30/2016</a:t>
+              <a:t>12/1/2016</a:t>
             </a:fld>
             <a:endParaRPr lang="en-US"/>
           </a:p>
@@ -1642,7 +1642,7 @@
           <a:p>
             <a:fld id="{E2AE8F77-5A50-4396-BB1F-33D5020DD64A}" type="datetime1">
               <a:rPr lang="en-US" smtClean="0"/>
-              <a:t>11/30/2016</a:t>
+              <a:t>12/1/2016</a:t>
             </a:fld>
             <a:endParaRPr lang="en-US"/>
           </a:p>
@@ -1812,7 +1812,7 @@
           <a:p>
             <a:fld id="{B1926425-3D45-42EB-8DB1-002CE5FB83F9}" type="datetime1">
               <a:rPr lang="en-US" smtClean="0"/>
-              <a:t>11/30/2016</a:t>
+              <a:t>12/1/2016</a:t>
             </a:fld>
             <a:endParaRPr lang="en-US"/>
           </a:p>
@@ -2065,7 +2065,7 @@
           <a:p>
             <a:fld id="{1B9216BA-A009-4F1F-9059-B8C1F6859737}" type="datetime1">
               <a:rPr lang="en-US" smtClean="0"/>
-              <a:t>11/30/2016</a:t>
+              <a:t>12/1/2016</a:t>
             </a:fld>
             <a:endParaRPr lang="en-US"/>
           </a:p>
@@ -2353,7 +2353,7 @@
           <a:p>
             <a:fld id="{051D6798-3E24-4777-9B1C-D7F80C1DF7E0}" type="datetime1">
               <a:rPr lang="en-US" smtClean="0"/>
-              <a:t>11/30/2016</a:t>
+              <a:t>12/1/2016</a:t>
             </a:fld>
             <a:endParaRPr lang="en-US"/>
           </a:p>
@@ -2775,7 +2775,7 @@
           <a:p>
             <a:fld id="{5E261A3F-8AF3-4F33-B322-D4E1187B22DA}" type="datetime1">
               <a:rPr lang="en-US" smtClean="0"/>
-              <a:t>11/30/2016</a:t>
+              <a:t>12/1/2016</a:t>
             </a:fld>
             <a:endParaRPr lang="en-US"/>
           </a:p>
@@ -2893,7 +2893,7 @@
           <a:p>
             <a:fld id="{2C158CFC-4140-49D0-80DF-E2C9573F7735}" type="datetime1">
               <a:rPr lang="en-US" smtClean="0"/>
-              <a:t>11/30/2016</a:t>
+              <a:t>12/1/2016</a:t>
             </a:fld>
             <a:endParaRPr lang="en-US"/>
           </a:p>
@@ -2988,7 +2988,7 @@
           <a:p>
             <a:fld id="{E75D8527-21D3-40E8-9385-80AA89544119}" type="datetime1">
               <a:rPr lang="en-US" smtClean="0"/>
-              <a:t>11/30/2016</a:t>
+              <a:t>12/1/2016</a:t>
             </a:fld>
             <a:endParaRPr lang="en-US"/>
           </a:p>
@@ -3265,7 +3265,7 @@
           <a:p>
             <a:fld id="{ACB2517E-4DB6-4375-9EEA-7D5D0BC0B040}" type="datetime1">
               <a:rPr lang="en-US" smtClean="0"/>
-              <a:t>11/30/2016</a:t>
+              <a:t>12/1/2016</a:t>
             </a:fld>
             <a:endParaRPr lang="en-US"/>
           </a:p>
@@ -3518,7 +3518,7 @@
           <a:p>
             <a:fld id="{35F480DC-3962-4FBE-A09A-2F32367D0F38}" type="datetime1">
               <a:rPr lang="en-US" smtClean="0"/>
-              <a:t>11/30/2016</a:t>
+              <a:t>12/1/2016</a:t>
             </a:fld>
             <a:endParaRPr lang="en-US"/>
           </a:p>
@@ -3731,7 +3731,7 @@
           <a:p>
             <a:fld id="{77224D1B-CF11-4DF7-9CDD-D0C9D30BD2A1}" type="datetime1">
               <a:rPr lang="en-US" smtClean="0"/>
-              <a:t>11/30/2016</a:t>
+              <a:t>12/1/2016</a:t>
             </a:fld>
             <a:endParaRPr lang="en-US"/>
           </a:p>
@@ -4333,11 +4333,6 @@
               </a:rPr>
               <a:t>https://assets.weforum.org/article/image/large_b05pCeiWDULOlBGVxJ52gFYvy6EPYx8R5WyOhPz1lNQ.jpg</a:t>
             </a:r>
-            <a:endParaRPr lang="en-US" sz="1400" dirty="0">
-              <a:solidFill>
-                <a:schemeClr val="bg1"/>
-              </a:solidFill>
-            </a:endParaRPr>
           </a:p>
         </p:txBody>
       </p:sp>
@@ -5248,12 +5243,12 @@
           <a:graphicData uri="http://schemas.openxmlformats.org/presentationml/2006/ole">
             <mc:AlternateContent xmlns:mc="http://schemas.openxmlformats.org/markup-compatibility/2006">
               <mc:Choice xmlns:v="urn:schemas-microsoft-com:vml" Requires="v">
-                <p:oleObj spid="_x0000_s2067" name="Worksheet" r:id="rId3" imgW="2029015" imgH="2105094" progId="Excel.Sheet.12">
+                <p:oleObj spid="_x0000_s2068" name="Worksheet" r:id="rId4" imgW="2029015" imgH="2105094" progId="Excel.Sheet.12">
                   <p:embed/>
                 </p:oleObj>
               </mc:Choice>
               <mc:Fallback>
-                <p:oleObj name="Worksheet" r:id="rId3" imgW="2029015" imgH="2105094" progId="Excel.Sheet.12">
+                <p:oleObj name="Worksheet" r:id="rId4" imgW="2029015" imgH="2105094" progId="Excel.Sheet.12">
                   <p:embed/>
                   <p:pic>
                     <p:nvPicPr>
@@ -5262,7 +5257,7 @@
                       <p:nvPr/>
                     </p:nvPicPr>
                     <p:blipFill>
-                      <a:blip r:embed="rId4"/>
+                      <a:blip r:embed="rId5"/>
                       <a:stretch>
                         <a:fillRect/>
                       </a:stretch>
@@ -5292,7 +5287,7 @@
           <p:nvPr/>
         </p:nvPicPr>
         <p:blipFill>
-          <a:blip r:embed="rId5">
+          <a:blip r:embed="rId6">
             <a:extLst>
               <a:ext uri="{28A0092B-C50C-407E-A947-70E740481C1C}">
                 <a14:useLocalDpi xmlns:a14="http://schemas.microsoft.com/office/drawing/2010/main" val="0"/>
@@ -6244,12 +6239,12 @@
           <a:graphicData uri="http://schemas.openxmlformats.org/presentationml/2006/ole">
             <mc:AlternateContent xmlns:mc="http://schemas.openxmlformats.org/markup-compatibility/2006">
               <mc:Choice xmlns:v="urn:schemas-microsoft-com:vml" Requires="v">
-                <p:oleObj spid="_x0000_s1053" name="Worksheet" r:id="rId3" imgW="8639146" imgH="1152318" progId="Excel.Sheet.12">
+                <p:oleObj spid="_x0000_s1054" name="Worksheet" r:id="rId4" imgW="8639146" imgH="1152318" progId="Excel.Sheet.12">
                   <p:embed/>
                 </p:oleObj>
               </mc:Choice>
               <mc:Fallback>
-                <p:oleObj name="Worksheet" r:id="rId3" imgW="8639146" imgH="1152318" progId="Excel.Sheet.12">
+                <p:oleObj name="Worksheet" r:id="rId4" imgW="8639146" imgH="1152318" progId="Excel.Sheet.12">
                   <p:embed/>
                   <p:pic>
                     <p:nvPicPr>
@@ -6258,7 +6253,7 @@
                       <p:nvPr/>
                     </p:nvPicPr>
                     <p:blipFill>
-                      <a:blip r:embed="rId4"/>
+                      <a:blip r:embed="rId5"/>
                       <a:stretch>
                         <a:fillRect/>
                       </a:stretch>
@@ -6632,7 +6627,7 @@
         <p:spPr>
           <a:xfrm>
             <a:off x="228600" y="5552182"/>
-            <a:ext cx="8610600" cy="1077218"/>
+            <a:ext cx="8610600" cy="830997"/>
           </a:xfrm>
           <a:prstGeom prst="rect">
             <a:avLst/>
@@ -6686,11 +6681,11 @@
             </a:r>
             <a:r>
               <a:rPr lang="en-US" sz="1600" dirty="0"/>
-              <a:t>more demographics, here are some potential data sets to improve the model from </a:t>
+              <a:t>more </a:t>
             </a:r>
             <a:r>
               <a:rPr lang="en-US" sz="1600" dirty="0" smtClean="0"/>
-              <a:t>WHO.</a:t>
+              <a:t>demographics from the WHO website.</a:t>
             </a:r>
             <a:endParaRPr lang="en-US" sz="1600" dirty="0"/>
           </a:p>

--- a/project/Final Presentation 112916.pptx
+++ b/project/Final Presentation 112916.pptx
@@ -4249,7 +4249,7 @@
         </p:nvSpPr>
         <p:spPr>
           <a:xfrm>
-            <a:off x="0" y="4953000"/>
+            <a:off x="0" y="4572000"/>
             <a:ext cx="9144000" cy="1905000"/>
           </a:xfrm>
           <a:solidFill>
@@ -4312,8 +4312,8 @@
         </p:nvSpPr>
         <p:spPr>
           <a:xfrm>
-            <a:off x="0" y="3213297"/>
-            <a:ext cx="13487400" cy="307777"/>
+            <a:off x="0" y="6611779"/>
+            <a:ext cx="13487400" cy="246221"/>
           </a:xfrm>
           <a:prstGeom prst="rect">
             <a:avLst/>
@@ -4326,7 +4326,7 @@
           <a:lstStyle/>
           <a:p>
             <a:r>
-              <a:rPr lang="en-US" sz="1400" dirty="0">
+              <a:rPr lang="en-US" sz="1000" i="1" dirty="0">
                 <a:solidFill>
                   <a:schemeClr val="bg1"/>
                 </a:solidFill>
@@ -4549,8 +4549,8 @@
         </p:nvSpPr>
         <p:spPr>
           <a:xfrm>
-            <a:off x="76200" y="6550223"/>
-            <a:ext cx="8991600" cy="307777"/>
+            <a:off x="0" y="6605915"/>
+            <a:ext cx="8991600" cy="261610"/>
           </a:xfrm>
           <a:prstGeom prst="rect">
             <a:avLst/>
@@ -4563,7 +4563,7 @@
           <a:lstStyle/>
           <a:p>
             <a:r>
-              <a:rPr lang="en-US" sz="1400" i="1" dirty="0" smtClean="0">
+              <a:rPr lang="en-US" sz="1050" i="1" dirty="0" smtClean="0">
                 <a:solidFill>
                   <a:schemeClr val="bg1"/>
                 </a:solidFill>
@@ -4571,7 +4571,7 @@
               <a:t>http</a:t>
             </a:r>
             <a:r>
-              <a:rPr lang="en-US" sz="1400" i="1" dirty="0">
+              <a:rPr lang="en-US" sz="1050" i="1" dirty="0">
                 <a:solidFill>
                   <a:schemeClr val="bg1"/>
                 </a:solidFill>
@@ -4579,14 +4579,14 @@
               <a:t>://</a:t>
             </a:r>
             <a:r>
-              <a:rPr lang="en-US" sz="1400" i="1" dirty="0" smtClean="0">
+              <a:rPr lang="en-US" sz="1050" i="1" dirty="0" smtClean="0">
                 <a:solidFill>
                   <a:schemeClr val="bg1"/>
                 </a:solidFill>
               </a:rPr>
               <a:t>healthreportereastafrica.com/wpontent/uploads/2016/01/premature-babies-ug.jpg</a:t>
             </a:r>
-            <a:endParaRPr lang="en-US" sz="1400" i="1" dirty="0">
+            <a:endParaRPr lang="en-US" sz="1050" i="1" dirty="0">
               <a:solidFill>
                 <a:schemeClr val="bg1"/>
               </a:solidFill>
@@ -5243,12 +5243,12 @@
           <a:graphicData uri="http://schemas.openxmlformats.org/presentationml/2006/ole">
             <mc:AlternateContent xmlns:mc="http://schemas.openxmlformats.org/markup-compatibility/2006">
               <mc:Choice xmlns:v="urn:schemas-microsoft-com:vml" Requires="v">
-                <p:oleObj spid="_x0000_s2068" name="Worksheet" r:id="rId4" imgW="2029015" imgH="2105094" progId="Excel.Sheet.12">
+                <p:oleObj spid="_x0000_s2075" name="Worksheet" r:id="rId3" imgW="2029015" imgH="2105094" progId="Excel.Sheet.12">
                   <p:embed/>
                 </p:oleObj>
               </mc:Choice>
               <mc:Fallback>
-                <p:oleObj name="Worksheet" r:id="rId4" imgW="2029015" imgH="2105094" progId="Excel.Sheet.12">
+                <p:oleObj name="Worksheet" r:id="rId3" imgW="2029015" imgH="2105094" progId="Excel.Sheet.12">
                   <p:embed/>
                   <p:pic>
                     <p:nvPicPr>
@@ -5257,7 +5257,7 @@
                       <p:nvPr/>
                     </p:nvPicPr>
                     <p:blipFill>
-                      <a:blip r:embed="rId5"/>
+                      <a:blip r:embed="rId4"/>
                       <a:stretch>
                         <a:fillRect/>
                       </a:stretch>
@@ -5287,7 +5287,7 @@
           <p:nvPr/>
         </p:nvPicPr>
         <p:blipFill>
-          <a:blip r:embed="rId6">
+          <a:blip r:embed="rId5">
             <a:extLst>
               <a:ext uri="{28A0092B-C50C-407E-A947-70E740481C1C}">
                 <a14:useLocalDpi xmlns:a14="http://schemas.microsoft.com/office/drawing/2010/main" val="0"/>
@@ -5410,7 +5410,7 @@
         </p:nvSpPr>
         <p:spPr>
           <a:xfrm>
-            <a:off x="252412" y="4876800"/>
+            <a:off x="252412" y="5029200"/>
             <a:ext cx="8639175" cy="1569660"/>
           </a:xfrm>
           <a:prstGeom prst="rect">
@@ -5834,7 +5834,7 @@
         </p:blipFill>
         <p:spPr>
           <a:xfrm>
-            <a:off x="214312" y="1731859"/>
+            <a:off x="214312" y="1985665"/>
             <a:ext cx="4301671" cy="3000139"/>
           </a:xfrm>
           <a:prstGeom prst="rect">
@@ -5864,7 +5864,7 @@
         </p:blipFill>
         <p:spPr>
           <a:xfrm>
-            <a:off x="4515983" y="1754555"/>
+            <a:off x="4515983" y="2008361"/>
             <a:ext cx="4243191" cy="2982294"/>
           </a:xfrm>
           <a:prstGeom prst="rect">
@@ -5949,70 +5949,13 @@
       </p:sp>
       <p:sp>
         <p:nvSpPr>
-          <p:cNvPr id="9" name="Rectangle 8"/>
-          <p:cNvSpPr/>
-          <p:nvPr/>
-        </p:nvSpPr>
-        <p:spPr>
-          <a:xfrm>
-            <a:off x="252412" y="4876800"/>
-            <a:ext cx="8639175" cy="1446550"/>
-          </a:xfrm>
-          <a:prstGeom prst="rect">
-            <a:avLst/>
-          </a:prstGeom>
-          <a:solidFill>
-            <a:srgbClr val="631818">
-              <a:alpha val="14000"/>
-            </a:srgbClr>
-          </a:solidFill>
-        </p:spPr>
-        <p:txBody>
-          <a:bodyPr wrap="square">
-            <a:spAutoFit/>
-          </a:bodyPr>
-          <a:lstStyle/>
-          <a:p>
-            <a:pPr marL="571500" indent="-457200">
-              <a:buFont typeface="Arial" panose="020B0604020202020204" pitchFamily="34" charset="0"/>
-              <a:buChar char="•"/>
-            </a:pPr>
-            <a:r>
-              <a:rPr lang="en-US" sz="2200" dirty="0" smtClean="0"/>
-              <a:t>RMSE total : 91.88</a:t>
-            </a:r>
-          </a:p>
-          <a:p>
-            <a:pPr marL="571500" indent="-457200">
-              <a:buFont typeface="Arial" panose="020B0604020202020204" pitchFamily="34" charset="0"/>
-              <a:buChar char="•"/>
-            </a:pPr>
-            <a:r>
-              <a:rPr lang="en-US" sz="2200" dirty="0" smtClean="0"/>
-              <a:t>RMSE optimized : 82.65</a:t>
-            </a:r>
-          </a:p>
-          <a:p>
-            <a:pPr marL="571500" indent="-457200">
-              <a:buFont typeface="Arial" panose="020B0604020202020204" pitchFamily="34" charset="0"/>
-              <a:buChar char="•"/>
-            </a:pPr>
-            <a:r>
-              <a:rPr lang="en-US" sz="2200" dirty="0" smtClean="0"/>
-              <a:t>Optimized demographics: Life expectancy, adolescent BR, education, cell subscriptions, birth attendant, GNI</a:t>
-            </a:r>
-          </a:p>
-        </p:txBody>
-      </p:sp>
-      <p:sp>
-        <p:nvSpPr>
           <p:cNvPr id="10" name="Rectangle 9"/>
           <p:cNvSpPr/>
           <p:nvPr/>
         </p:nvSpPr>
         <p:spPr>
           <a:xfrm>
-            <a:off x="349725" y="1270194"/>
+            <a:off x="349725" y="1524000"/>
             <a:ext cx="4086862" cy="461665"/>
           </a:xfrm>
           <a:prstGeom prst="rect">
@@ -6050,7 +5993,7 @@
         </p:nvSpPr>
         <p:spPr>
           <a:xfrm>
-            <a:off x="4632346" y="1270194"/>
+            <a:off x="4632346" y="1524000"/>
             <a:ext cx="4086862" cy="461665"/>
           </a:xfrm>
           <a:prstGeom prst="rect">
@@ -6088,7 +6031,7 @@
         </p:nvSpPr>
         <p:spPr>
           <a:xfrm rot="17335531" flipH="1">
-            <a:off x="2176045" y="3490723"/>
+            <a:off x="2176045" y="3744529"/>
             <a:ext cx="575613" cy="339778"/>
           </a:xfrm>
           <a:prstGeom prst="rightArrow">
@@ -6138,7 +6081,7 @@
         </p:nvSpPr>
         <p:spPr>
           <a:xfrm rot="17715503" flipH="1">
-            <a:off x="6586242" y="3474561"/>
+            <a:off x="6586242" y="3728367"/>
             <a:ext cx="599339" cy="339778"/>
           </a:xfrm>
           <a:prstGeom prst="rightArrow">
@@ -6180,6 +6123,308 @@
           </a:p>
         </p:txBody>
       </p:sp>
+      <p:sp>
+        <p:nvSpPr>
+          <p:cNvPr id="16" name="Rectangle 15"/>
+          <p:cNvSpPr/>
+          <p:nvPr/>
+        </p:nvSpPr>
+        <p:spPr>
+          <a:xfrm>
+            <a:off x="204425" y="5955268"/>
+            <a:ext cx="8623115" cy="369332"/>
+          </a:xfrm>
+          <a:prstGeom prst="rect">
+            <a:avLst/>
+          </a:prstGeom>
+          <a:solidFill>
+            <a:schemeClr val="bg1"/>
+          </a:solidFill>
+        </p:spPr>
+        <p:txBody>
+          <a:bodyPr wrap="square">
+            <a:spAutoFit/>
+          </a:bodyPr>
+          <a:lstStyle/>
+          <a:p>
+            <a:r>
+              <a:rPr lang="en-US" sz="900" i="1" dirty="0" smtClean="0"/>
+              <a:t>Table 2: Optimized </a:t>
+            </a:r>
+            <a:r>
+              <a:rPr lang="en-US" sz="900" i="1" dirty="0" smtClean="0"/>
+              <a:t>demographics include: </a:t>
+            </a:r>
+            <a:r>
+              <a:rPr lang="en-US" sz="900" i="1" dirty="0"/>
+              <a:t>'ABR%', 'AOD_FMLE', 'GNI', 'EDFMLE_MLE%', '</a:t>
+            </a:r>
+            <a:r>
+              <a:rPr lang="en-US" sz="900" i="1" dirty="0" err="1"/>
+              <a:t>cell_Subscription</a:t>
+            </a:r>
+            <a:r>
+              <a:rPr lang="en-US" sz="900" i="1" dirty="0"/>
+              <a:t>%', 'attend</a:t>
+            </a:r>
+            <a:r>
+              <a:rPr lang="en-US" sz="900" i="1" dirty="0" smtClean="0"/>
+              <a:t>%'. The </a:t>
+            </a:r>
+            <a:r>
+              <a:rPr lang="en-US" sz="900" i="1" dirty="0" smtClean="0"/>
+              <a:t>Random Forest </a:t>
+            </a:r>
+            <a:r>
+              <a:rPr lang="en-US" sz="900" i="1" dirty="0" err="1" smtClean="0"/>
+              <a:t>Regressor</a:t>
+            </a:r>
+            <a:r>
+              <a:rPr lang="en-US" sz="900" i="1" dirty="0" smtClean="0"/>
+              <a:t> model was. Null RMSE is with </a:t>
+            </a:r>
+            <a:r>
+              <a:rPr lang="en-US" sz="900" i="1" dirty="0" err="1" smtClean="0"/>
+              <a:t>y_predict</a:t>
+            </a:r>
+            <a:r>
+              <a:rPr lang="en-US" sz="900" i="1" dirty="0" smtClean="0"/>
+              <a:t> = mean.</a:t>
+            </a:r>
+            <a:endParaRPr lang="en-US" sz="900" i="1" dirty="0"/>
+          </a:p>
+        </p:txBody>
+      </p:sp>
+      <p:graphicFrame>
+        <p:nvGraphicFramePr>
+          <p:cNvPr id="17" name="Table 16"/>
+          <p:cNvGraphicFramePr>
+            <a:graphicFrameLocks noGrp="1"/>
+          </p:cNvGraphicFramePr>
+          <p:nvPr>
+            <p:extLst>
+              <p:ext uri="{D42A27DB-BD31-4B8C-83A1-F6EECF244321}">
+                <p14:modId xmlns:p14="http://schemas.microsoft.com/office/powerpoint/2010/main" val="3839819125"/>
+              </p:ext>
+            </p:extLst>
+          </p:nvPr>
+        </p:nvGraphicFramePr>
+        <p:xfrm>
+          <a:off x="276544" y="5390202"/>
+          <a:ext cx="8590912" cy="565066"/>
+        </p:xfrm>
+        <a:graphic>
+          <a:graphicData uri="http://schemas.openxmlformats.org/drawingml/2006/table">
+            <a:tbl>
+              <a:tblPr firstRow="1" bandRow="1">
+                <a:tableStyleId>{5940675A-B579-460E-94D1-54222C63F5DA}</a:tableStyleId>
+              </a:tblPr>
+              <a:tblGrid>
+                <a:gridCol w="2112848"/>
+                <a:gridCol w="2112848"/>
+                <a:gridCol w="2112848"/>
+                <a:gridCol w="2252368"/>
+              </a:tblGrid>
+              <a:tr h="282533">
+                <a:tc>
+                  <a:txBody>
+                    <a:bodyPr/>
+                    <a:lstStyle/>
+                    <a:p>
+                      <a:pPr algn="l" fontAlgn="b"/>
+                      <a:r>
+                        <a:rPr lang="en-US" sz="1400" b="0" i="0" u="none" strike="noStrike" dirty="0">
+                          <a:solidFill>
+                            <a:srgbClr val="FFFFFF"/>
+                          </a:solidFill>
+                          <a:effectLst/>
+                          <a:latin typeface="Calibri" panose="020F0502020204030204" pitchFamily="34" charset="0"/>
+                        </a:rPr>
+                        <a:t> </a:t>
+                      </a:r>
+                    </a:p>
+                  </a:txBody>
+                  <a:tcPr marL="9525" marR="9525" marT="9525" marB="0" anchor="b">
+                    <a:solidFill>
+                      <a:srgbClr val="5A3635"/>
+                    </a:solidFill>
+                  </a:tcPr>
+                </a:tc>
+                <a:tc>
+                  <a:txBody>
+                    <a:bodyPr/>
+                    <a:lstStyle/>
+                    <a:p>
+                      <a:pPr algn="l" fontAlgn="b"/>
+                      <a:r>
+                        <a:rPr lang="en-US" sz="1400" b="0" i="0" u="none" strike="noStrike" dirty="0">
+                          <a:solidFill>
+                            <a:srgbClr val="FFFFFF"/>
+                          </a:solidFill>
+                          <a:effectLst/>
+                          <a:latin typeface="Calibri" panose="020F0502020204030204" pitchFamily="34" charset="0"/>
+                        </a:rPr>
+                        <a:t>RMSE Null  </a:t>
+                      </a:r>
+                    </a:p>
+                  </a:txBody>
+                  <a:tcPr marL="9525" marR="9525" marT="9525" marB="0" anchor="b">
+                    <a:solidFill>
+                      <a:srgbClr val="7F7F7F"/>
+                    </a:solidFill>
+                  </a:tcPr>
+                </a:tc>
+                <a:tc>
+                  <a:txBody>
+                    <a:bodyPr/>
+                    <a:lstStyle/>
+                    <a:p>
+                      <a:pPr algn="l" fontAlgn="b"/>
+                      <a:r>
+                        <a:rPr lang="en-US" sz="1400" b="0" i="0" u="none" strike="noStrike">
+                          <a:solidFill>
+                            <a:srgbClr val="FFFFFF"/>
+                          </a:solidFill>
+                          <a:effectLst/>
+                          <a:latin typeface="Calibri" panose="020F0502020204030204" pitchFamily="34" charset="0"/>
+                        </a:rPr>
+                        <a:t>RMSE Total</a:t>
+                      </a:r>
+                    </a:p>
+                  </a:txBody>
+                  <a:tcPr marL="9525" marR="9525" marT="9525" marB="0" anchor="b">
+                    <a:solidFill>
+                      <a:srgbClr val="5A3635"/>
+                    </a:solidFill>
+                  </a:tcPr>
+                </a:tc>
+                <a:tc>
+                  <a:txBody>
+                    <a:bodyPr/>
+                    <a:lstStyle/>
+                    <a:p>
+                      <a:pPr algn="l" fontAlgn="b"/>
+                      <a:r>
+                        <a:rPr lang="en-US" sz="1400" b="0" i="0" u="none" strike="noStrike" dirty="0">
+                          <a:solidFill>
+                            <a:srgbClr val="FFFFFF"/>
+                          </a:solidFill>
+                          <a:effectLst/>
+                          <a:latin typeface="Calibri" panose="020F0502020204030204" pitchFamily="34" charset="0"/>
+                        </a:rPr>
+                        <a:t>RMSE Optimized </a:t>
+                      </a:r>
+                    </a:p>
+                  </a:txBody>
+                  <a:tcPr marL="9525" marR="9525" marT="9525" marB="0" anchor="b">
+                    <a:solidFill>
+                      <a:srgbClr val="5A3635"/>
+                    </a:solidFill>
+                  </a:tcPr>
+                </a:tc>
+              </a:tr>
+              <a:tr h="282533">
+                <a:tc>
+                  <a:txBody>
+                    <a:bodyPr/>
+                    <a:lstStyle/>
+                    <a:p>
+                      <a:pPr algn="l" fontAlgn="b"/>
+                      <a:r>
+                        <a:rPr lang="en-US" sz="1400" b="0" i="0" u="none" strike="noStrike">
+                          <a:solidFill>
+                            <a:srgbClr val="000000"/>
+                          </a:solidFill>
+                          <a:effectLst/>
+                          <a:latin typeface="Calibri" panose="020F0502020204030204" pitchFamily="34" charset="0"/>
+                        </a:rPr>
+                        <a:t>MMR100K </a:t>
+                      </a:r>
+                    </a:p>
+                  </a:txBody>
+                  <a:tcPr marL="9525" marR="9525" marT="9525" marB="0" anchor="b">
+                    <a:solidFill>
+                      <a:srgbClr val="E9DEDE"/>
+                    </a:solidFill>
+                  </a:tcPr>
+                </a:tc>
+                <a:tc>
+                  <a:txBody>
+                    <a:bodyPr/>
+                    <a:lstStyle/>
+                    <a:p>
+                      <a:pPr algn="l" fontAlgn="b"/>
+                      <a:r>
+                        <a:rPr lang="en-US" sz="1400" b="1" i="0" u="none" strike="noStrike" dirty="0">
+                          <a:solidFill>
+                            <a:srgbClr val="3F3F3F"/>
+                          </a:solidFill>
+                          <a:effectLst/>
+                          <a:latin typeface="Calibri" panose="020F0502020204030204" pitchFamily="34" charset="0"/>
+                        </a:rPr>
+                        <a:t>228.39</a:t>
+                      </a:r>
+                    </a:p>
+                  </a:txBody>
+                  <a:tcPr marL="9525" marR="9525" marT="9525" marB="0" anchor="b">
+                    <a:solidFill>
+                      <a:srgbClr val="DDDDDD"/>
+                    </a:solidFill>
+                  </a:tcPr>
+                </a:tc>
+                <a:tc>
+                  <a:txBody>
+                    <a:bodyPr/>
+                    <a:lstStyle/>
+                    <a:p>
+                      <a:pPr algn="l" fontAlgn="b"/>
+                      <a:r>
+                        <a:rPr lang="en-US" sz="1400" b="0" i="0" u="none" strike="noStrike">
+                          <a:solidFill>
+                            <a:srgbClr val="000000"/>
+                          </a:solidFill>
+                          <a:effectLst/>
+                          <a:latin typeface="Calibri" panose="020F0502020204030204" pitchFamily="34" charset="0"/>
+                        </a:rPr>
+                        <a:t>91.88</a:t>
+                      </a:r>
+                    </a:p>
+                  </a:txBody>
+                  <a:tcPr marL="9525" marR="9525" marT="9525" marB="0" anchor="b">
+                    <a:solidFill>
+                      <a:srgbClr val="E9DEDE"/>
+                    </a:solidFill>
+                  </a:tcPr>
+                </a:tc>
+                <a:tc>
+                  <a:txBody>
+                    <a:bodyPr/>
+                    <a:lstStyle/>
+                    <a:p>
+                      <a:pPr algn="l" fontAlgn="b"/>
+                      <a:r>
+                        <a:rPr lang="en-US" sz="1400" b="0" i="0" u="none" strike="noStrike" dirty="0">
+                          <a:solidFill>
+                            <a:srgbClr val="000000"/>
+                          </a:solidFill>
+                          <a:effectLst/>
+                          <a:latin typeface="Calibri" panose="020F0502020204030204" pitchFamily="34" charset="0"/>
+                        </a:rPr>
+                        <a:t> 82.65</a:t>
+                      </a:r>
+                    </a:p>
+                  </a:txBody>
+                  <a:tcPr marL="9525" marR="9525" marT="9525" marB="0" anchor="b">
+                    <a:solidFill>
+                      <a:srgbClr val="E9DEDE"/>
+                    </a:solidFill>
+                  </a:tcPr>
+                </a:tc>
+              </a:tr>
+            </a:tbl>
+          </a:graphicData>
+        </a:graphic>
+      </p:graphicFrame>
     </p:spTree>
     <p:extLst>
       <p:ext uri="{BB962C8B-B14F-4D97-AF65-F5344CB8AC3E}">
@@ -6217,63 +6462,6 @@
           <a:chExt cx="0" cy="0"/>
         </a:xfrm>
       </p:grpSpPr>
-      <p:graphicFrame>
-        <p:nvGraphicFramePr>
-          <p:cNvPr id="8" name="Object 7"/>
-          <p:cNvGraphicFramePr>
-            <a:graphicFrameLocks noChangeAspect="1"/>
-          </p:cNvGraphicFramePr>
-          <p:nvPr>
-            <p:extLst>
-              <p:ext uri="{D42A27DB-BD31-4B8C-83A1-F6EECF244321}">
-                <p14:modId xmlns:p14="http://schemas.microsoft.com/office/powerpoint/2010/main" val="2689808394"/>
-              </p:ext>
-            </p:extLst>
-          </p:nvPr>
-        </p:nvGraphicFramePr>
-        <p:xfrm>
-          <a:off x="252412" y="1351121"/>
-          <a:ext cx="8639175" cy="1152525"/>
-        </p:xfrm>
-        <a:graphic>
-          <a:graphicData uri="http://schemas.openxmlformats.org/presentationml/2006/ole">
-            <mc:AlternateContent xmlns:mc="http://schemas.openxmlformats.org/markup-compatibility/2006">
-              <mc:Choice xmlns:v="urn:schemas-microsoft-com:vml" Requires="v">
-                <p:oleObj spid="_x0000_s1054" name="Worksheet" r:id="rId4" imgW="8639146" imgH="1152318" progId="Excel.Sheet.12">
-                  <p:embed/>
-                </p:oleObj>
-              </mc:Choice>
-              <mc:Fallback>
-                <p:oleObj name="Worksheet" r:id="rId4" imgW="8639146" imgH="1152318" progId="Excel.Sheet.12">
-                  <p:embed/>
-                  <p:pic>
-                    <p:nvPicPr>
-                      <p:cNvPr id="0" name=""/>
-                      <p:cNvPicPr/>
-                      <p:nvPr/>
-                    </p:nvPicPr>
-                    <p:blipFill>
-                      <a:blip r:embed="rId5"/>
-                      <a:stretch>
-                        <a:fillRect/>
-                      </a:stretch>
-                    </p:blipFill>
-                    <p:spPr>
-                      <a:xfrm>
-                        <a:off x="252412" y="1351121"/>
-                        <a:ext cx="8639175" cy="1152525"/>
-                      </a:xfrm>
-                      <a:prstGeom prst="rect">
-                        <a:avLst/>
-                      </a:prstGeom>
-                    </p:spPr>
-                  </p:pic>
-                </p:oleObj>
-              </mc:Fallback>
-            </mc:AlternateContent>
-          </a:graphicData>
-        </a:graphic>
-      </p:graphicFrame>
       <p:sp>
         <p:nvSpPr>
           <p:cNvPr id="4" name="Rectangle 3"/>
@@ -6282,8 +6470,8 @@
         </p:nvSpPr>
         <p:spPr>
           <a:xfrm>
-            <a:off x="152400" y="2307208"/>
-            <a:ext cx="8839200" cy="261610"/>
+            <a:off x="152401" y="2540169"/>
+            <a:ext cx="8789192" cy="507831"/>
           </a:xfrm>
           <a:prstGeom prst="rect">
             <a:avLst/>
@@ -6299,17 +6487,78 @@
           <a:lstStyle/>
           <a:p>
             <a:r>
-              <a:rPr lang="en-US" sz="1050" dirty="0"/>
-              <a:t>Selection of demographics: 'ABR%', 'AOD_FMLE', 'GNI', 'EDFMLE_MLE%', '</a:t>
-            </a:r>
-            <a:r>
-              <a:rPr lang="en-US" sz="1050" dirty="0" err="1"/>
+              <a:rPr lang="en-US" sz="900" i="1" dirty="0" smtClean="0"/>
+              <a:t>Table 2: Optimized </a:t>
+            </a:r>
+            <a:r>
+              <a:rPr lang="en-US" sz="900" i="1" dirty="0" smtClean="0"/>
+              <a:t>demographics include: </a:t>
+            </a:r>
+            <a:r>
+              <a:rPr lang="en-US" sz="900" i="1" dirty="0"/>
+              <a:t>'ABR%', 'AOD_FMLE', 'GNI', 'EDFMLE_MLE%', '</a:t>
+            </a:r>
+            <a:r>
+              <a:rPr lang="en-US" sz="900" i="1" dirty="0" err="1"/>
               <a:t>cell_Subscription</a:t>
             </a:r>
             <a:r>
-              <a:rPr lang="en-US" sz="1050" dirty="0"/>
-              <a:t>%', 'attend%'.</a:t>
-            </a:r>
+              <a:rPr lang="en-US" sz="900" i="1" dirty="0"/>
+              <a:t>%', 'attend</a:t>
+            </a:r>
+            <a:r>
+              <a:rPr lang="en-US" sz="900" i="1" dirty="0" smtClean="0"/>
+              <a:t>%'. The </a:t>
+            </a:r>
+            <a:r>
+              <a:rPr lang="en-US" sz="900" i="1" dirty="0" smtClean="0"/>
+              <a:t>Random Forest Classifier model was used for </a:t>
+            </a:r>
+            <a:r>
+              <a:rPr lang="en-US" sz="900" i="1" dirty="0" err="1" smtClean="0"/>
+              <a:t>MMRBinary</a:t>
+            </a:r>
+            <a:r>
+              <a:rPr lang="en-US" sz="900" i="1" dirty="0" smtClean="0"/>
+              <a:t> and </a:t>
+            </a:r>
+            <a:r>
+              <a:rPr lang="en-US" sz="900" i="1" dirty="0" err="1" smtClean="0"/>
+              <a:t>MMRClassifier</a:t>
+            </a:r>
+            <a:r>
+              <a:rPr lang="en-US" sz="900" i="1" dirty="0"/>
+              <a:t>.</a:t>
+            </a:r>
+            <a:r>
+              <a:rPr lang="en-US" sz="900" i="1" dirty="0" smtClean="0"/>
+              <a:t> *Random Forest </a:t>
+            </a:r>
+            <a:r>
+              <a:rPr lang="en-US" sz="900" i="1" dirty="0" err="1" smtClean="0"/>
+              <a:t>Regressor</a:t>
+            </a:r>
+            <a:r>
+              <a:rPr lang="en-US" sz="900" i="1" dirty="0" smtClean="0"/>
+              <a:t> was used as the model for MMR100K. Null accuracy scores are the percent chance of selecting the most frequent value (</a:t>
+            </a:r>
+            <a:r>
+              <a:rPr lang="en-US" sz="900" i="1" dirty="0" err="1" smtClean="0"/>
+              <a:t>MMRBinary</a:t>
+            </a:r>
+            <a:r>
+              <a:rPr lang="en-US" sz="900" i="1" dirty="0" smtClean="0"/>
+              <a:t> = 1, </a:t>
+            </a:r>
+            <a:r>
+              <a:rPr lang="en-US" sz="900" i="1" dirty="0" err="1" smtClean="0"/>
+              <a:t>MMRClassifier</a:t>
+            </a:r>
+            <a:r>
+              <a:rPr lang="en-US" sz="900" i="1" dirty="0" smtClean="0"/>
+              <a:t> = 2, MMR100K = 54).</a:t>
+            </a:r>
+            <a:endParaRPr lang="en-US" sz="900" i="1" dirty="0"/>
           </a:p>
         </p:txBody>
       </p:sp>
@@ -6378,8 +6627,8 @@
         </p:nvSpPr>
         <p:spPr>
           <a:xfrm>
-            <a:off x="252412" y="2971800"/>
-            <a:ext cx="8639175" cy="2677656"/>
+            <a:off x="252411" y="3353812"/>
+            <a:ext cx="8639175" cy="3046988"/>
           </a:xfrm>
           <a:prstGeom prst="rect">
             <a:avLst/>
@@ -6452,16 +6701,15 @@
               <a:rPr lang="en-US" sz="2400" dirty="0" smtClean="0"/>
               <a:t>accuracy.  </a:t>
             </a:r>
+            <a:endParaRPr lang="en-US" sz="2400" dirty="0" smtClean="0"/>
+          </a:p>
+          <a:p>
             <a:endParaRPr lang="en-US" sz="2400" dirty="0"/>
           </a:p>
           <a:p>
-            <a:pPr marL="285750" indent="-285750">
-              <a:buFont typeface="Arial" panose="020B0604020202020204" pitchFamily="34" charset="0"/>
-              <a:buChar char="•"/>
-            </a:pPr>
             <a:r>
               <a:rPr lang="en-US" sz="2400" i="1" dirty="0" smtClean="0"/>
-              <a:t>The </a:t>
+              <a:t>*The </a:t>
             </a:r>
             <a:r>
               <a:rPr lang="en-US" sz="2400" i="1" dirty="0"/>
@@ -6473,7 +6721,15 @@
             </a:r>
             <a:r>
               <a:rPr lang="en-US" sz="2400" i="1" dirty="0"/>
-              <a:t> model is the only model run that </a:t>
+              <a:t> model </a:t>
+            </a:r>
+            <a:r>
+              <a:rPr lang="en-US" sz="2400" i="1" dirty="0" smtClean="0"/>
+              <a:t>was used for MMR100K and is </a:t>
+            </a:r>
+            <a:r>
+              <a:rPr lang="en-US" sz="2400" i="1" dirty="0"/>
+              <a:t>the only model run that </a:t>
             </a:r>
             <a:r>
               <a:rPr lang="en-US" sz="2400" i="1" dirty="0" smtClean="0"/>
@@ -6486,6 +6742,716 @@
           </a:p>
         </p:txBody>
       </p:sp>
+      <p:graphicFrame>
+        <p:nvGraphicFramePr>
+          <p:cNvPr id="3" name="Table 2"/>
+          <p:cNvGraphicFramePr>
+            <a:graphicFrameLocks noGrp="1"/>
+          </p:cNvGraphicFramePr>
+          <p:nvPr>
+            <p:extLst>
+              <p:ext uri="{D42A27DB-BD31-4B8C-83A1-F6EECF244321}">
+                <p14:modId xmlns:p14="http://schemas.microsoft.com/office/powerpoint/2010/main" val="3406857502"/>
+              </p:ext>
+            </p:extLst>
+          </p:nvPr>
+        </p:nvGraphicFramePr>
+        <p:xfrm>
+          <a:off x="202406" y="1419562"/>
+          <a:ext cx="8739186" cy="1130132"/>
+        </p:xfrm>
+        <a:graphic>
+          <a:graphicData uri="http://schemas.openxmlformats.org/drawingml/2006/table">
+            <a:tbl>
+              <a:tblPr firstRow="1" bandRow="1">
+                <a:tableStyleId>{5940675A-B579-460E-94D1-54222C63F5DA}</a:tableStyleId>
+              </a:tblPr>
+              <a:tblGrid>
+                <a:gridCol w="1456531"/>
+                <a:gridCol w="1456531"/>
+                <a:gridCol w="1456531"/>
+                <a:gridCol w="1552711"/>
+                <a:gridCol w="1360351"/>
+                <a:gridCol w="1456531"/>
+              </a:tblGrid>
+              <a:tr h="282533">
+                <a:tc>
+                  <a:txBody>
+                    <a:bodyPr/>
+                    <a:lstStyle/>
+                    <a:p>
+                      <a:endParaRPr lang="en-US" sz="1100" dirty="0">
+                        <a:solidFill>
+                          <a:schemeClr val="bg1"/>
+                        </a:solidFill>
+                      </a:endParaRPr>
+                    </a:p>
+                  </a:txBody>
+                  <a:tcPr>
+                    <a:solidFill>
+                      <a:srgbClr val="5A3635"/>
+                    </a:solidFill>
+                  </a:tcPr>
+                </a:tc>
+                <a:tc>
+                  <a:txBody>
+                    <a:bodyPr/>
+                    <a:lstStyle/>
+                    <a:p>
+                      <a:r>
+                        <a:rPr lang="en-US" sz="1100" dirty="0" smtClean="0">
+                          <a:solidFill>
+                            <a:schemeClr val="bg1"/>
+                          </a:solidFill>
+                        </a:rPr>
+                        <a:t>Null</a:t>
+                      </a:r>
+                      <a:endParaRPr lang="en-US" sz="1100" dirty="0">
+                        <a:solidFill>
+                          <a:schemeClr val="bg1"/>
+                        </a:solidFill>
+                      </a:endParaRPr>
+                    </a:p>
+                  </a:txBody>
+                  <a:tcPr>
+                    <a:solidFill>
+                      <a:srgbClr val="7F7F7F"/>
+                    </a:solidFill>
+                  </a:tcPr>
+                </a:tc>
+                <a:tc>
+                  <a:txBody>
+                    <a:bodyPr/>
+                    <a:lstStyle/>
+                    <a:p>
+                      <a:r>
+                        <a:rPr lang="en-US" sz="1100" dirty="0" smtClean="0">
+                          <a:solidFill>
+                            <a:schemeClr val="bg1"/>
+                          </a:solidFill>
+                        </a:rPr>
+                        <a:t>Log </a:t>
+                      </a:r>
+                      <a:r>
+                        <a:rPr lang="en-US" sz="1100" dirty="0" err="1" smtClean="0">
+                          <a:solidFill>
+                            <a:schemeClr val="bg1"/>
+                          </a:solidFill>
+                        </a:rPr>
+                        <a:t>Reg</a:t>
+                      </a:r>
+                      <a:endParaRPr lang="en-US" sz="1100" dirty="0">
+                        <a:solidFill>
+                          <a:schemeClr val="bg1"/>
+                        </a:solidFill>
+                      </a:endParaRPr>
+                    </a:p>
+                  </a:txBody>
+                  <a:tcPr>
+                    <a:solidFill>
+                      <a:srgbClr val="5A3635"/>
+                    </a:solidFill>
+                  </a:tcPr>
+                </a:tc>
+                <a:tc>
+                  <a:txBody>
+                    <a:bodyPr/>
+                    <a:lstStyle/>
+                    <a:p>
+                      <a:r>
+                        <a:rPr lang="en-US" sz="1100" dirty="0" smtClean="0">
+                          <a:solidFill>
+                            <a:schemeClr val="bg1"/>
+                          </a:solidFill>
+                        </a:rPr>
+                        <a:t>Log </a:t>
+                      </a:r>
+                      <a:r>
+                        <a:rPr lang="en-US" sz="1100" dirty="0" err="1" smtClean="0">
+                          <a:solidFill>
+                            <a:schemeClr val="bg1"/>
+                          </a:solidFill>
+                        </a:rPr>
+                        <a:t>Reg</a:t>
+                      </a:r>
+                      <a:r>
+                        <a:rPr lang="en-US" sz="1100" dirty="0" smtClean="0">
+                          <a:solidFill>
+                            <a:schemeClr val="bg1"/>
+                          </a:solidFill>
+                        </a:rPr>
+                        <a:t> (Optimized)</a:t>
+                      </a:r>
+                      <a:endParaRPr lang="en-US" sz="1100" dirty="0">
+                        <a:solidFill>
+                          <a:schemeClr val="bg1"/>
+                        </a:solidFill>
+                      </a:endParaRPr>
+                    </a:p>
+                  </a:txBody>
+                  <a:tcPr>
+                    <a:solidFill>
+                      <a:srgbClr val="5A3635"/>
+                    </a:solidFill>
+                  </a:tcPr>
+                </a:tc>
+                <a:tc>
+                  <a:txBody>
+                    <a:bodyPr/>
+                    <a:lstStyle/>
+                    <a:p>
+                      <a:r>
+                        <a:rPr lang="en-US" sz="1100" dirty="0" smtClean="0">
+                          <a:solidFill>
+                            <a:schemeClr val="bg1"/>
+                          </a:solidFill>
+                        </a:rPr>
+                        <a:t>Ran For</a:t>
+                      </a:r>
+                      <a:endParaRPr lang="en-US" sz="1100" dirty="0">
+                        <a:solidFill>
+                          <a:schemeClr val="bg1"/>
+                        </a:solidFill>
+                      </a:endParaRPr>
+                    </a:p>
+                  </a:txBody>
+                  <a:tcPr>
+                    <a:solidFill>
+                      <a:srgbClr val="5A3635"/>
+                    </a:solidFill>
+                  </a:tcPr>
+                </a:tc>
+                <a:tc>
+                  <a:txBody>
+                    <a:bodyPr/>
+                    <a:lstStyle/>
+                    <a:p>
+                      <a:r>
+                        <a:rPr lang="en-US" sz="1100" dirty="0" smtClean="0">
+                          <a:solidFill>
+                            <a:schemeClr val="bg1"/>
+                          </a:solidFill>
+                        </a:rPr>
+                        <a:t>Ran</a:t>
+                      </a:r>
+                      <a:r>
+                        <a:rPr lang="en-US" sz="1100" baseline="0" dirty="0" smtClean="0">
+                          <a:solidFill>
+                            <a:schemeClr val="bg1"/>
+                          </a:solidFill>
+                        </a:rPr>
+                        <a:t> For (Optimized)</a:t>
+                      </a:r>
+                      <a:endParaRPr lang="en-US" sz="1100" dirty="0">
+                        <a:solidFill>
+                          <a:schemeClr val="bg1"/>
+                        </a:solidFill>
+                      </a:endParaRPr>
+                    </a:p>
+                  </a:txBody>
+                  <a:tcPr>
+                    <a:solidFill>
+                      <a:srgbClr val="5A3635"/>
+                    </a:solidFill>
+                  </a:tcPr>
+                </a:tc>
+              </a:tr>
+              <a:tr h="282533">
+                <a:tc>
+                  <a:txBody>
+                    <a:bodyPr/>
+                    <a:lstStyle/>
+                    <a:p>
+                      <a:pPr algn="l" fontAlgn="b"/>
+                      <a:r>
+                        <a:rPr lang="en-US" sz="1400" b="0" i="0" u="none" strike="noStrike">
+                          <a:solidFill>
+                            <a:srgbClr val="000000"/>
+                          </a:solidFill>
+                          <a:effectLst/>
+                          <a:latin typeface="Calibri" panose="020F0502020204030204" pitchFamily="34" charset="0"/>
+                        </a:rPr>
+                        <a:t>MMRBinary </a:t>
+                      </a:r>
+                    </a:p>
+                  </a:txBody>
+                  <a:tcPr marL="9525" marR="9525" marT="9525" marB="0" anchor="b">
+                    <a:solidFill>
+                      <a:srgbClr val="E9DEDE"/>
+                    </a:solidFill>
+                  </a:tcPr>
+                </a:tc>
+                <a:tc>
+                  <a:txBody>
+                    <a:bodyPr/>
+                    <a:lstStyle/>
+                    <a:p>
+                      <a:pPr algn="l" fontAlgn="b"/>
+                      <a:r>
+                        <a:rPr lang="en-US" sz="1400" b="1" i="0" u="none" strike="noStrike">
+                          <a:solidFill>
+                            <a:srgbClr val="3F3F3F"/>
+                          </a:solidFill>
+                          <a:effectLst/>
+                          <a:latin typeface="Calibri" panose="020F0502020204030204" pitchFamily="34" charset="0"/>
+                        </a:rPr>
+                        <a:t>0.526316</a:t>
+                      </a:r>
+                    </a:p>
+                  </a:txBody>
+                  <a:tcPr marL="9525" marR="9525" marT="9525" marB="0" anchor="b">
+                    <a:solidFill>
+                      <a:srgbClr val="DDDDDD"/>
+                    </a:solidFill>
+                  </a:tcPr>
+                </a:tc>
+                <a:tc>
+                  <a:txBody>
+                    <a:bodyPr/>
+                    <a:lstStyle/>
+                    <a:p>
+                      <a:pPr algn="l" fontAlgn="b"/>
+                      <a:r>
+                        <a:rPr lang="en-US" sz="1400" b="0" i="0" u="none" strike="noStrike">
+                          <a:solidFill>
+                            <a:srgbClr val="000000"/>
+                          </a:solidFill>
+                          <a:effectLst/>
+                          <a:latin typeface="Calibri" panose="020F0502020204030204" pitchFamily="34" charset="0"/>
+                        </a:rPr>
+                        <a:t>0.873684211</a:t>
+                      </a:r>
+                    </a:p>
+                  </a:txBody>
+                  <a:tcPr marL="9525" marR="9525" marT="9525" marB="0" anchor="b">
+                    <a:solidFill>
+                      <a:srgbClr val="E9DEDE"/>
+                    </a:solidFill>
+                  </a:tcPr>
+                </a:tc>
+                <a:tc>
+                  <a:txBody>
+                    <a:bodyPr/>
+                    <a:lstStyle/>
+                    <a:p>
+                      <a:pPr algn="l" fontAlgn="b"/>
+                      <a:r>
+                        <a:rPr lang="en-US" sz="1400" b="0" i="0" u="none" strike="noStrike">
+                          <a:solidFill>
+                            <a:srgbClr val="000000"/>
+                          </a:solidFill>
+                          <a:effectLst/>
+                          <a:latin typeface="Calibri" panose="020F0502020204030204" pitchFamily="34" charset="0"/>
+                        </a:rPr>
+                        <a:t>0.857894737</a:t>
+                      </a:r>
+                    </a:p>
+                  </a:txBody>
+                  <a:tcPr marL="9525" marR="9525" marT="9525" marB="0" anchor="b">
+                    <a:solidFill>
+                      <a:srgbClr val="E9DEDE"/>
+                    </a:solidFill>
+                  </a:tcPr>
+                </a:tc>
+                <a:tc>
+                  <a:txBody>
+                    <a:bodyPr/>
+                    <a:lstStyle/>
+                    <a:p>
+                      <a:pPr algn="l" fontAlgn="b"/>
+                      <a:r>
+                        <a:rPr lang="en-US" sz="1400" b="0" i="0" u="none" strike="noStrike">
+                          <a:solidFill>
+                            <a:srgbClr val="000000"/>
+                          </a:solidFill>
+                          <a:effectLst/>
+                          <a:latin typeface="Calibri" panose="020F0502020204030204" pitchFamily="34" charset="0"/>
+                        </a:rPr>
+                        <a:t>0.8895</a:t>
+                      </a:r>
+                    </a:p>
+                  </a:txBody>
+                  <a:tcPr marL="9525" marR="9525" marT="9525" marB="0" anchor="b">
+                    <a:solidFill>
+                      <a:srgbClr val="E9DEDE"/>
+                    </a:solidFill>
+                  </a:tcPr>
+                </a:tc>
+                <a:tc>
+                  <a:txBody>
+                    <a:bodyPr/>
+                    <a:lstStyle/>
+                    <a:p>
+                      <a:pPr algn="l" fontAlgn="b"/>
+                      <a:r>
+                        <a:rPr lang="en-US" sz="1400" b="0" i="0" u="none" strike="noStrike">
+                          <a:solidFill>
+                            <a:srgbClr val="000000"/>
+                          </a:solidFill>
+                          <a:effectLst/>
+                          <a:latin typeface="Calibri" panose="020F0502020204030204" pitchFamily="34" charset="0"/>
+                        </a:rPr>
+                        <a:t>0.8947</a:t>
+                      </a:r>
+                    </a:p>
+                  </a:txBody>
+                  <a:tcPr marL="9525" marR="9525" marT="9525" marB="0" anchor="b">
+                    <a:solidFill>
+                      <a:srgbClr val="E9DEDE"/>
+                    </a:solidFill>
+                  </a:tcPr>
+                </a:tc>
+              </a:tr>
+              <a:tr h="282533">
+                <a:tc>
+                  <a:txBody>
+                    <a:bodyPr/>
+                    <a:lstStyle/>
+                    <a:p>
+                      <a:pPr algn="l" fontAlgn="b"/>
+                      <a:r>
+                        <a:rPr lang="en-US" sz="1400" b="0" i="0" u="none" strike="noStrike">
+                          <a:solidFill>
+                            <a:srgbClr val="000000"/>
+                          </a:solidFill>
+                          <a:effectLst/>
+                          <a:latin typeface="Calibri" panose="020F0502020204030204" pitchFamily="34" charset="0"/>
+                        </a:rPr>
+                        <a:t>MMRClassifier</a:t>
+                      </a:r>
+                    </a:p>
+                  </a:txBody>
+                  <a:tcPr marL="9525" marR="9525" marT="9525" marB="0" anchor="b">
+                    <a:solidFill>
+                      <a:srgbClr val="E9DEDE"/>
+                    </a:solidFill>
+                  </a:tcPr>
+                </a:tc>
+                <a:tc>
+                  <a:txBody>
+                    <a:bodyPr/>
+                    <a:lstStyle/>
+                    <a:p>
+                      <a:pPr algn="l" fontAlgn="b"/>
+                      <a:r>
+                        <a:rPr lang="en-US" sz="1400" b="1" i="0" u="none" strike="noStrike" dirty="0">
+                          <a:solidFill>
+                            <a:srgbClr val="3F3F3F"/>
+                          </a:solidFill>
+                          <a:effectLst/>
+                          <a:latin typeface="Calibri" panose="020F0502020204030204" pitchFamily="34" charset="0"/>
+                        </a:rPr>
+                        <a:t>0.268421</a:t>
+                      </a:r>
+                    </a:p>
+                  </a:txBody>
+                  <a:tcPr marL="9525" marR="9525" marT="9525" marB="0" anchor="b">
+                    <a:solidFill>
+                      <a:srgbClr val="DDDDDD"/>
+                    </a:solidFill>
+                  </a:tcPr>
+                </a:tc>
+                <a:tc>
+                  <a:txBody>
+                    <a:bodyPr/>
+                    <a:lstStyle/>
+                    <a:p>
+                      <a:pPr algn="l" fontAlgn="b"/>
+                      <a:r>
+                        <a:rPr lang="en-US" sz="1400" b="0" i="0" u="none" strike="noStrike">
+                          <a:solidFill>
+                            <a:srgbClr val="000000"/>
+                          </a:solidFill>
+                          <a:effectLst/>
+                          <a:latin typeface="Calibri" panose="020F0502020204030204" pitchFamily="34" charset="0"/>
+                        </a:rPr>
+                        <a:t>0.692464986</a:t>
+                      </a:r>
+                    </a:p>
+                  </a:txBody>
+                  <a:tcPr marL="9525" marR="9525" marT="9525" marB="0" anchor="b">
+                    <a:solidFill>
+                      <a:srgbClr val="E9DEDE"/>
+                    </a:solidFill>
+                  </a:tcPr>
+                </a:tc>
+                <a:tc>
+                  <a:txBody>
+                    <a:bodyPr/>
+                    <a:lstStyle/>
+                    <a:p>
+                      <a:pPr algn="l" fontAlgn="b"/>
+                      <a:r>
+                        <a:rPr lang="en-US" sz="1400" b="0" i="0" u="none" strike="noStrike">
+                          <a:solidFill>
+                            <a:srgbClr val="000000"/>
+                          </a:solidFill>
+                          <a:effectLst/>
+                          <a:latin typeface="Calibri" panose="020F0502020204030204" pitchFamily="34" charset="0"/>
+                        </a:rPr>
+                        <a:t>0.674336644</a:t>
+                      </a:r>
+                    </a:p>
+                  </a:txBody>
+                  <a:tcPr marL="9525" marR="9525" marT="9525" marB="0" anchor="b">
+                    <a:solidFill>
+                      <a:srgbClr val="E9DEDE"/>
+                    </a:solidFill>
+                  </a:tcPr>
+                </a:tc>
+                <a:tc>
+                  <a:txBody>
+                    <a:bodyPr/>
+                    <a:lstStyle/>
+                    <a:p>
+                      <a:pPr algn="l" fontAlgn="b"/>
+                      <a:r>
+                        <a:rPr lang="en-US" sz="1400" b="0" i="0" u="none" strike="noStrike">
+                          <a:solidFill>
+                            <a:srgbClr val="000000"/>
+                          </a:solidFill>
+                          <a:effectLst/>
+                          <a:latin typeface="Calibri" panose="020F0502020204030204" pitchFamily="34" charset="0"/>
+                        </a:rPr>
+                        <a:t>0.7558</a:t>
+                      </a:r>
+                    </a:p>
+                  </a:txBody>
+                  <a:tcPr marL="9525" marR="9525" marT="9525" marB="0" anchor="b">
+                    <a:solidFill>
+                      <a:srgbClr val="E9DEDE"/>
+                    </a:solidFill>
+                  </a:tcPr>
+                </a:tc>
+                <a:tc>
+                  <a:txBody>
+                    <a:bodyPr/>
+                    <a:lstStyle/>
+                    <a:p>
+                      <a:pPr algn="l" fontAlgn="b"/>
+                      <a:r>
+                        <a:rPr lang="en-US" sz="1400" b="0" i="0" u="none" strike="noStrike">
+                          <a:solidFill>
+                            <a:srgbClr val="000000"/>
+                          </a:solidFill>
+                          <a:effectLst/>
+                          <a:latin typeface="Calibri" panose="020F0502020204030204" pitchFamily="34" charset="0"/>
+                        </a:rPr>
+                        <a:t>0.7482</a:t>
+                      </a:r>
+                    </a:p>
+                  </a:txBody>
+                  <a:tcPr marL="9525" marR="9525" marT="9525" marB="0" anchor="b">
+                    <a:solidFill>
+                      <a:srgbClr val="E9DEDE"/>
+                    </a:solidFill>
+                  </a:tcPr>
+                </a:tc>
+              </a:tr>
+              <a:tr h="282533">
+                <a:tc>
+                  <a:txBody>
+                    <a:bodyPr/>
+                    <a:lstStyle/>
+                    <a:p>
+                      <a:pPr algn="l" fontAlgn="b"/>
+                      <a:r>
+                        <a:rPr lang="en-US" sz="1400" b="0" i="0" u="none" strike="noStrike">
+                          <a:solidFill>
+                            <a:srgbClr val="000000"/>
+                          </a:solidFill>
+                          <a:effectLst/>
+                          <a:latin typeface="Calibri" panose="020F0502020204030204" pitchFamily="34" charset="0"/>
+                        </a:rPr>
+                        <a:t>MMR100K (</a:t>
+                      </a:r>
+                      <a:r>
+                        <a:rPr lang="en-US" sz="1400" b="0" i="0" u="sng" strike="noStrike">
+                          <a:solidFill>
+                            <a:srgbClr val="000000"/>
+                          </a:solidFill>
+                          <a:effectLst/>
+                          <a:latin typeface="Calibri" panose="020F0502020204030204" pitchFamily="34" charset="0"/>
+                        </a:rPr>
+                        <a:t>oob</a:t>
+                      </a:r>
+                      <a:r>
+                        <a:rPr lang="en-US" sz="1400" b="0" i="0" u="none" strike="noStrike">
+                          <a:solidFill>
+                            <a:srgbClr val="000000"/>
+                          </a:solidFill>
+                          <a:effectLst/>
+                          <a:latin typeface="Calibri" panose="020F0502020204030204" pitchFamily="34" charset="0"/>
+                        </a:rPr>
+                        <a:t>)</a:t>
+                      </a:r>
+                    </a:p>
+                  </a:txBody>
+                  <a:tcPr marL="9525" marR="9525" marT="9525" marB="0" anchor="b">
+                    <a:solidFill>
+                      <a:srgbClr val="E9DEDE"/>
+                    </a:solidFill>
+                  </a:tcPr>
+                </a:tc>
+                <a:tc>
+                  <a:txBody>
+                    <a:bodyPr/>
+                    <a:lstStyle/>
+                    <a:p>
+                      <a:pPr algn="l" fontAlgn="b"/>
+                      <a:r>
+                        <a:rPr lang="en-US" sz="1400" b="1" i="0" u="none" strike="noStrike" dirty="0">
+                          <a:solidFill>
+                            <a:srgbClr val="3F3F3F"/>
+                          </a:solidFill>
+                          <a:effectLst/>
+                          <a:latin typeface="Calibri" panose="020F0502020204030204" pitchFamily="34" charset="0"/>
+                        </a:rPr>
+                        <a:t>0.052632</a:t>
+                      </a:r>
+                    </a:p>
+                  </a:txBody>
+                  <a:tcPr marL="9525" marR="9525" marT="9525" marB="0" anchor="b">
+                    <a:solidFill>
+                      <a:srgbClr val="DDDDDD"/>
+                    </a:solidFill>
+                  </a:tcPr>
+                </a:tc>
+                <a:tc>
+                  <a:txBody>
+                    <a:bodyPr/>
+                    <a:lstStyle/>
+                    <a:p>
+                      <a:pPr algn="l" fontAlgn="b"/>
+                      <a:r>
+                        <a:rPr lang="en-US" sz="1400" b="0" i="0" u="none" strike="noStrike">
+                          <a:solidFill>
+                            <a:srgbClr val="000000"/>
+                          </a:solidFill>
+                          <a:effectLst/>
+                          <a:latin typeface="Calibri" panose="020F0502020204030204" pitchFamily="34" charset="0"/>
+                        </a:rPr>
+                        <a:t>Na</a:t>
+                      </a:r>
+                    </a:p>
+                  </a:txBody>
+                  <a:tcPr marL="9525" marR="9525" marT="9525" marB="0" anchor="b">
+                    <a:solidFill>
+                      <a:srgbClr val="E9DEDE"/>
+                    </a:solidFill>
+                  </a:tcPr>
+                </a:tc>
+                <a:tc>
+                  <a:txBody>
+                    <a:bodyPr/>
+                    <a:lstStyle/>
+                    <a:p>
+                      <a:pPr algn="l" fontAlgn="b"/>
+                      <a:r>
+                        <a:rPr lang="en-US" sz="1400" b="0" i="0" u="none" strike="noStrike" dirty="0">
+                          <a:solidFill>
+                            <a:srgbClr val="000000"/>
+                          </a:solidFill>
+                          <a:effectLst/>
+                          <a:latin typeface="Calibri" panose="020F0502020204030204" pitchFamily="34" charset="0"/>
+                        </a:rPr>
+                        <a:t>Na</a:t>
+                      </a:r>
+                    </a:p>
+                  </a:txBody>
+                  <a:tcPr marL="9525" marR="9525" marT="9525" marB="0" anchor="b">
+                    <a:solidFill>
+                      <a:srgbClr val="E9DEDE"/>
+                    </a:solidFill>
+                  </a:tcPr>
+                </a:tc>
+                <a:tc>
+                  <a:txBody>
+                    <a:bodyPr/>
+                    <a:lstStyle/>
+                    <a:p>
+                      <a:pPr algn="l" fontAlgn="b"/>
+                      <a:r>
+                        <a:rPr lang="en-US" sz="1400" b="0" i="0" u="sng" strike="noStrike">
+                          <a:solidFill>
+                            <a:srgbClr val="000000"/>
+                          </a:solidFill>
+                          <a:effectLst/>
+                          <a:latin typeface="Calibri" panose="020F0502020204030204" pitchFamily="34" charset="0"/>
+                        </a:rPr>
+                        <a:t>0.815</a:t>
+                      </a:r>
+                      <a:r>
+                        <a:rPr lang="en-US" sz="1400" b="0" i="0" u="none" strike="noStrike">
+                          <a:solidFill>
+                            <a:srgbClr val="000000"/>
+                          </a:solidFill>
+                          <a:effectLst/>
+                          <a:latin typeface="Calibri" panose="020F0502020204030204" pitchFamily="34" charset="0"/>
+                        </a:rPr>
+                        <a:t>*</a:t>
+                      </a:r>
+                      <a:endParaRPr lang="en-US" sz="1400" b="0" i="0" u="sng" strike="noStrike">
+                        <a:solidFill>
+                          <a:srgbClr val="000000"/>
+                        </a:solidFill>
+                        <a:effectLst/>
+                        <a:latin typeface="Calibri" panose="020F0502020204030204" pitchFamily="34" charset="0"/>
+                      </a:endParaRPr>
+                    </a:p>
+                  </a:txBody>
+                  <a:tcPr marL="9525" marR="9525" marT="9525" marB="0" anchor="b">
+                    <a:solidFill>
+                      <a:srgbClr val="E9DEDE"/>
+                    </a:solidFill>
+                  </a:tcPr>
+                </a:tc>
+                <a:tc>
+                  <a:txBody>
+                    <a:bodyPr/>
+                    <a:lstStyle/>
+                    <a:p>
+                      <a:pPr algn="l" fontAlgn="b"/>
+                      <a:r>
+                        <a:rPr lang="en-US" sz="1400" b="0" i="0" u="sng" strike="noStrike" dirty="0">
+                          <a:solidFill>
+                            <a:srgbClr val="000000"/>
+                          </a:solidFill>
+                          <a:effectLst/>
+                          <a:latin typeface="Calibri" panose="020F0502020204030204" pitchFamily="34" charset="0"/>
+                        </a:rPr>
+                        <a:t>0.8348</a:t>
+                      </a:r>
+                      <a:r>
+                        <a:rPr lang="en-US" sz="1400" b="0" i="0" u="none" strike="noStrike" dirty="0">
+                          <a:solidFill>
+                            <a:srgbClr val="000000"/>
+                          </a:solidFill>
+                          <a:effectLst/>
+                          <a:latin typeface="Calibri" panose="020F0502020204030204" pitchFamily="34" charset="0"/>
+                        </a:rPr>
+                        <a:t>*</a:t>
+                      </a:r>
+                      <a:endParaRPr lang="en-US" sz="1400" b="0" i="0" u="sng" strike="noStrike" dirty="0">
+                        <a:solidFill>
+                          <a:srgbClr val="000000"/>
+                        </a:solidFill>
+                        <a:effectLst/>
+                        <a:latin typeface="Calibri" panose="020F0502020204030204" pitchFamily="34" charset="0"/>
+                      </a:endParaRPr>
+                    </a:p>
+                  </a:txBody>
+                  <a:tcPr marL="9525" marR="9525" marT="9525" marB="0" anchor="b">
+                    <a:solidFill>
+                      <a:srgbClr val="E9DEDE"/>
+                    </a:solidFill>
+                  </a:tcPr>
+                </a:tc>
+              </a:tr>
+            </a:tbl>
+          </a:graphicData>
+        </a:graphic>
+      </p:graphicFrame>
     </p:spTree>
     <p:extLst>
       <p:ext uri="{BB962C8B-B14F-4D97-AF65-F5344CB8AC3E}">
@@ -6572,7 +7538,7 @@
         </p:nvSpPr>
         <p:spPr>
           <a:xfrm>
-            <a:off x="3663950" y="2149108"/>
+            <a:off x="3810000" y="2160613"/>
             <a:ext cx="5175250" cy="1569660"/>
           </a:xfrm>
           <a:prstGeom prst="rect">

--- a/project/Final Presentation 112916.pptx
+++ b/project/Final Presentation 112916.pptx
@@ -4477,23 +4477,23 @@
         </p:nvSpPr>
         <p:spPr>
           <a:xfrm>
-            <a:off x="304800" y="1995130"/>
-            <a:ext cx="4572000" cy="1200329"/>
+            <a:off x="76200" y="1219200"/>
+            <a:ext cx="4114800" cy="1631216"/>
           </a:xfrm>
           <a:prstGeom prst="rect">
             <a:avLst/>
           </a:prstGeom>
         </p:spPr>
         <p:txBody>
-          <a:bodyPr>
+          <a:bodyPr wrap="square">
             <a:spAutoFit/>
           </a:bodyPr>
           <a:lstStyle/>
           <a:p>
             <a:r>
-              <a:rPr lang="en-US" dirty="0" smtClean="0">
+              <a:rPr lang="en-US" sz="2000" b="1" dirty="0" smtClean="0">
                 <a:solidFill>
-                  <a:srgbClr val="000000"/>
+                  <a:schemeClr val="bg1"/>
                 </a:solidFill>
                 <a:latin typeface="Helvetica Neue"/>
               </a:rPr>
@@ -4502,42 +4502,46 @@
           </a:p>
           <a:p>
             <a:r>
-              <a:rPr lang="en-US" dirty="0" smtClean="0">
+              <a:rPr lang="en-US" sz="2000" b="1" dirty="0" smtClean="0">
                 <a:solidFill>
-                  <a:srgbClr val="000000"/>
+                  <a:schemeClr val="bg1"/>
                 </a:solidFill>
                 <a:latin typeface="Helvetica Neue"/>
               </a:rPr>
               <a:t>Can </a:t>
             </a:r>
             <a:r>
-              <a:rPr lang="en-US" dirty="0">
+              <a:rPr lang="en-US" sz="2000" b="1" dirty="0">
                 <a:solidFill>
-                  <a:srgbClr val="000000"/>
+                  <a:schemeClr val="bg1"/>
                 </a:solidFill>
                 <a:latin typeface="Helvetica Neue"/>
               </a:rPr>
               <a:t>I predict which socioeconomic and public health initiatives will </a:t>
             </a:r>
             <a:r>
-              <a:rPr lang="en-US" dirty="0" smtClean="0">
+              <a:rPr lang="en-US" sz="2000" b="1" dirty="0" smtClean="0">
                 <a:solidFill>
-                  <a:srgbClr val="000000"/>
+                  <a:schemeClr val="bg1"/>
                 </a:solidFill>
                 <a:latin typeface="Helvetica Neue"/>
               </a:rPr>
               <a:t>improve global maternal </a:t>
             </a:r>
             <a:r>
-              <a:rPr lang="en-US" dirty="0">
+              <a:rPr lang="en-US" sz="2000" b="1" dirty="0">
                 <a:solidFill>
-                  <a:srgbClr val="000000"/>
+                  <a:schemeClr val="bg1"/>
                 </a:solidFill>
                 <a:latin typeface="Helvetica Neue"/>
               </a:rPr>
               <a:t>mortality rates?</a:t>
             </a:r>
-            <a:endParaRPr lang="en-US" dirty="0"/>
+            <a:endParaRPr lang="en-US" sz="2000" b="1" dirty="0">
+              <a:solidFill>
+                <a:schemeClr val="bg1"/>
+              </a:solidFill>
+            </a:endParaRPr>
           </a:p>
         </p:txBody>
       </p:sp>
@@ -5243,12 +5247,12 @@
           <a:graphicData uri="http://schemas.openxmlformats.org/presentationml/2006/ole">
             <mc:AlternateContent xmlns:mc="http://schemas.openxmlformats.org/markup-compatibility/2006">
               <mc:Choice xmlns:v="urn:schemas-microsoft-com:vml" Requires="v">
-                <p:oleObj spid="_x0000_s2075" name="Worksheet" r:id="rId3" imgW="2029015" imgH="2105094" progId="Excel.Sheet.12">
+                <p:oleObj spid="_x0000_s2076" name="Worksheet" r:id="rId4" imgW="2029015" imgH="2105094" progId="Excel.Sheet.12">
                   <p:embed/>
                 </p:oleObj>
               </mc:Choice>
               <mc:Fallback>
-                <p:oleObj name="Worksheet" r:id="rId3" imgW="2029015" imgH="2105094" progId="Excel.Sheet.12">
+                <p:oleObj name="Worksheet" r:id="rId4" imgW="2029015" imgH="2105094" progId="Excel.Sheet.12">
                   <p:embed/>
                   <p:pic>
                     <p:nvPicPr>
@@ -5257,7 +5261,7 @@
                       <p:nvPr/>
                     </p:nvPicPr>
                     <p:blipFill>
-                      <a:blip r:embed="rId4"/>
+                      <a:blip r:embed="rId5"/>
                       <a:stretch>
                         <a:fillRect/>
                       </a:stretch>
@@ -5287,7 +5291,7 @@
           <p:nvPr/>
         </p:nvPicPr>
         <p:blipFill>
-          <a:blip r:embed="rId5">
+          <a:blip r:embed="rId6">
             <a:extLst>
               <a:ext uri="{28A0092B-C50C-407E-A947-70E740481C1C}">
                 <a14:useLocalDpi xmlns:a14="http://schemas.microsoft.com/office/drawing/2010/main" val="0"/>
@@ -6149,11 +6153,7 @@
           <a:p>
             <a:r>
               <a:rPr lang="en-US" sz="900" i="1" dirty="0" smtClean="0"/>
-              <a:t>Table 2: Optimized </a:t>
-            </a:r>
-            <a:r>
-              <a:rPr lang="en-US" sz="900" i="1" dirty="0" smtClean="0"/>
-              <a:t>demographics include: </a:t>
+              <a:t>Table 2: Optimized demographics include: </a:t>
             </a:r>
             <a:r>
               <a:rPr lang="en-US" sz="900" i="1" dirty="0"/>
@@ -6169,11 +6169,7 @@
             </a:r>
             <a:r>
               <a:rPr lang="en-US" sz="900" i="1" dirty="0" smtClean="0"/>
-              <a:t>%'. The </a:t>
-            </a:r>
-            <a:r>
-              <a:rPr lang="en-US" sz="900" i="1" dirty="0" smtClean="0"/>
-              <a:t>Random Forest </a:t>
+              <a:t>%'. The Random Forest </a:t>
             </a:r>
             <a:r>
               <a:rPr lang="en-US" sz="900" i="1" dirty="0" err="1" smtClean="0"/>
@@ -6488,11 +6484,7 @@
           <a:p>
             <a:r>
               <a:rPr lang="en-US" sz="900" i="1" dirty="0" smtClean="0"/>
-              <a:t>Table 2: Optimized </a:t>
-            </a:r>
-            <a:r>
-              <a:rPr lang="en-US" sz="900" i="1" dirty="0" smtClean="0"/>
-              <a:t>demographics include: </a:t>
+              <a:t>Table 2: Optimized demographics include: </a:t>
             </a:r>
             <a:r>
               <a:rPr lang="en-US" sz="900" i="1" dirty="0"/>
@@ -6508,11 +6500,7 @@
             </a:r>
             <a:r>
               <a:rPr lang="en-US" sz="900" i="1" dirty="0" smtClean="0"/>
-              <a:t>%'. The </a:t>
-            </a:r>
-            <a:r>
-              <a:rPr lang="en-US" sz="900" i="1" dirty="0" smtClean="0"/>
-              <a:t>Random Forest Classifier model was used for </a:t>
+              <a:t>%'. The Random Forest Classifier model was used for </a:t>
             </a:r>
             <a:r>
               <a:rPr lang="en-US" sz="900" i="1" dirty="0" err="1" smtClean="0"/>
@@ -6701,7 +6689,6 @@
               <a:rPr lang="en-US" sz="2400" dirty="0" smtClean="0"/>
               <a:t>accuracy.  </a:t>
             </a:r>
-            <a:endParaRPr lang="en-US" sz="2400" dirty="0" smtClean="0"/>
           </a:p>
           <a:p>
             <a:endParaRPr lang="en-US" sz="2400" dirty="0"/>

--- a/project/Final Presentation 112916.pptx
+++ b/project/Final Presentation 112916.pptx
@@ -215,7 +215,7 @@
           <a:p>
             <a:fld id="{58CF373E-48EE-4419-81F1-F7592575718D}" type="datetimeFigureOut">
               <a:rPr lang="en-US" smtClean="0"/>
-              <a:t>12/1/2016</a:t>
+              <a:t>1/17/2017</a:t>
             </a:fld>
             <a:endParaRPr lang="en-US"/>
           </a:p>
@@ -1285,7 +1285,7 @@
           <a:p>
             <a:fld id="{A0A75E8F-C24B-447D-96A1-31C42002591F}" type="datetime1">
               <a:rPr lang="en-US" smtClean="0"/>
-              <a:t>12/1/2016</a:t>
+              <a:t>1/17/2017</a:t>
             </a:fld>
             <a:endParaRPr lang="en-US"/>
           </a:p>
@@ -1462,7 +1462,7 @@
           <a:p>
             <a:fld id="{D04C51A1-517C-4859-8F2A-B2F9097A8FEF}" type="datetime1">
               <a:rPr lang="en-US" smtClean="0"/>
-              <a:t>12/1/2016</a:t>
+              <a:t>1/17/2017</a:t>
             </a:fld>
             <a:endParaRPr lang="en-US"/>
           </a:p>
@@ -1642,7 +1642,7 @@
           <a:p>
             <a:fld id="{E2AE8F77-5A50-4396-BB1F-33D5020DD64A}" type="datetime1">
               <a:rPr lang="en-US" smtClean="0"/>
-              <a:t>12/1/2016</a:t>
+              <a:t>1/17/2017</a:t>
             </a:fld>
             <a:endParaRPr lang="en-US"/>
           </a:p>
@@ -1812,7 +1812,7 @@
           <a:p>
             <a:fld id="{B1926425-3D45-42EB-8DB1-002CE5FB83F9}" type="datetime1">
               <a:rPr lang="en-US" smtClean="0"/>
-              <a:t>12/1/2016</a:t>
+              <a:t>1/17/2017</a:t>
             </a:fld>
             <a:endParaRPr lang="en-US"/>
           </a:p>
@@ -2065,7 +2065,7 @@
           <a:p>
             <a:fld id="{1B9216BA-A009-4F1F-9059-B8C1F6859737}" type="datetime1">
               <a:rPr lang="en-US" smtClean="0"/>
-              <a:t>12/1/2016</a:t>
+              <a:t>1/17/2017</a:t>
             </a:fld>
             <a:endParaRPr lang="en-US"/>
           </a:p>
@@ -2353,7 +2353,7 @@
           <a:p>
             <a:fld id="{051D6798-3E24-4777-9B1C-D7F80C1DF7E0}" type="datetime1">
               <a:rPr lang="en-US" smtClean="0"/>
-              <a:t>12/1/2016</a:t>
+              <a:t>1/17/2017</a:t>
             </a:fld>
             <a:endParaRPr lang="en-US"/>
           </a:p>
@@ -2775,7 +2775,7 @@
           <a:p>
             <a:fld id="{5E261A3F-8AF3-4F33-B322-D4E1187B22DA}" type="datetime1">
               <a:rPr lang="en-US" smtClean="0"/>
-              <a:t>12/1/2016</a:t>
+              <a:t>1/17/2017</a:t>
             </a:fld>
             <a:endParaRPr lang="en-US"/>
           </a:p>
@@ -2893,7 +2893,7 @@
           <a:p>
             <a:fld id="{2C158CFC-4140-49D0-80DF-E2C9573F7735}" type="datetime1">
               <a:rPr lang="en-US" smtClean="0"/>
-              <a:t>12/1/2016</a:t>
+              <a:t>1/17/2017</a:t>
             </a:fld>
             <a:endParaRPr lang="en-US"/>
           </a:p>
@@ -2988,7 +2988,7 @@
           <a:p>
             <a:fld id="{E75D8527-21D3-40E8-9385-80AA89544119}" type="datetime1">
               <a:rPr lang="en-US" smtClean="0"/>
-              <a:t>12/1/2016</a:t>
+              <a:t>1/17/2017</a:t>
             </a:fld>
             <a:endParaRPr lang="en-US"/>
           </a:p>
@@ -3265,7 +3265,7 @@
           <a:p>
             <a:fld id="{ACB2517E-4DB6-4375-9EEA-7D5D0BC0B040}" type="datetime1">
               <a:rPr lang="en-US" smtClean="0"/>
-              <a:t>12/1/2016</a:t>
+              <a:t>1/17/2017</a:t>
             </a:fld>
             <a:endParaRPr lang="en-US"/>
           </a:p>
@@ -3518,7 +3518,7 @@
           <a:p>
             <a:fld id="{35F480DC-3962-4FBE-A09A-2F32367D0F38}" type="datetime1">
               <a:rPr lang="en-US" smtClean="0"/>
-              <a:t>12/1/2016</a:t>
+              <a:t>1/17/2017</a:t>
             </a:fld>
             <a:endParaRPr lang="en-US"/>
           </a:p>
@@ -3731,7 +3731,7 @@
           <a:p>
             <a:fld id="{77224D1B-CF11-4DF7-9CDD-D0C9D30BD2A1}" type="datetime1">
               <a:rPr lang="en-US" smtClean="0"/>
-              <a:t>12/1/2016</a:t>
+              <a:t>1/17/2017</a:t>
             </a:fld>
             <a:endParaRPr lang="en-US"/>
           </a:p>
@@ -4526,7 +4526,16 @@
                 </a:solidFill>
                 <a:latin typeface="Helvetica Neue"/>
               </a:rPr>
-              <a:t>improve global maternal </a:t>
+              <a:t>decrease global </a:t>
+            </a:r>
+            <a:r>
+              <a:rPr lang="en-US" sz="2000" b="1" dirty="0" smtClean="0">
+                <a:solidFill>
+                  <a:schemeClr val="bg1"/>
+                </a:solidFill>
+                <a:latin typeface="Helvetica Neue"/>
+              </a:rPr>
+              <a:t>maternal </a:t>
             </a:r>
             <a:r>
               <a:rPr lang="en-US" sz="2000" b="1" dirty="0">
@@ -5247,12 +5256,12 @@
           <a:graphicData uri="http://schemas.openxmlformats.org/presentationml/2006/ole">
             <mc:AlternateContent xmlns:mc="http://schemas.openxmlformats.org/markup-compatibility/2006">
               <mc:Choice xmlns:v="urn:schemas-microsoft-com:vml" Requires="v">
-                <p:oleObj spid="_x0000_s2076" name="Worksheet" r:id="rId4" imgW="2029015" imgH="2105094" progId="Excel.Sheet.12">
+                <p:oleObj spid="_x0000_s2078" name="Worksheet" r:id="rId3" imgW="2029015" imgH="2105094" progId="Excel.Sheet.12">
                   <p:embed/>
                 </p:oleObj>
               </mc:Choice>
               <mc:Fallback>
-                <p:oleObj name="Worksheet" r:id="rId4" imgW="2029015" imgH="2105094" progId="Excel.Sheet.12">
+                <p:oleObj name="Worksheet" r:id="rId3" imgW="2029015" imgH="2105094" progId="Excel.Sheet.12">
                   <p:embed/>
                   <p:pic>
                     <p:nvPicPr>
@@ -5261,7 +5270,7 @@
                       <p:nvPr/>
                     </p:nvPicPr>
                     <p:blipFill>
-                      <a:blip r:embed="rId5"/>
+                      <a:blip r:embed="rId4"/>
                       <a:stretch>
                         <a:fillRect/>
                       </a:stretch>
@@ -5291,7 +5300,7 @@
           <p:nvPr/>
         </p:nvPicPr>
         <p:blipFill>
-          <a:blip r:embed="rId6">
+          <a:blip r:embed="rId5">
             <a:extLst>
               <a:ext uri="{28A0092B-C50C-407E-A947-70E740481C1C}">
                 <a14:useLocalDpi xmlns:a14="http://schemas.microsoft.com/office/drawing/2010/main" val="0"/>
